--- a/assets/docs/Poster-Template-EMMComp2025.pptx
+++ b/assets/docs/Poster-Template-EMMComp2025.pptx
@@ -126,16 +126,24 @@
   <pc:docChgLst>
     <pc:chgData name="Kecia Marques" userId="73fa3c79465465a2" providerId="LiveId" clId="{FDA544CE-3FF8-403A-9E57-818DFCCC7842}"/>
     <pc:docChg chg="modSld delMainMaster">
-      <pc:chgData name="Kecia Marques" userId="73fa3c79465465a2" providerId="LiveId" clId="{FDA544CE-3FF8-403A-9E57-818DFCCC7842}" dt="2025-09-28T17:27:39.895" v="59" actId="1076"/>
+      <pc:chgData name="Kecia Marques" userId="73fa3c79465465a2" providerId="LiveId" clId="{FDA544CE-3FF8-403A-9E57-818DFCCC7842}" dt="2025-10-08T22:23:21.435" v="146" actId="1076"/>
       <pc:docMkLst>
         <pc:docMk/>
       </pc:docMkLst>
       <pc:sldChg chg="addSp delSp modSp mod">
-        <pc:chgData name="Kecia Marques" userId="73fa3c79465465a2" providerId="LiveId" clId="{FDA544CE-3FF8-403A-9E57-818DFCCC7842}" dt="2025-09-28T17:27:39.895" v="59" actId="1076"/>
+        <pc:chgData name="Kecia Marques" userId="73fa3c79465465a2" providerId="LiveId" clId="{FDA544CE-3FF8-403A-9E57-818DFCCC7842}" dt="2025-10-08T22:23:21.435" v="146" actId="1076"/>
         <pc:sldMkLst>
           <pc:docMk/>
           <pc:sldMk cId="0" sldId="256"/>
         </pc:sldMkLst>
+        <pc:spChg chg="mod">
+          <ac:chgData name="Kecia Marques" userId="73fa3c79465465a2" providerId="LiveId" clId="{FDA544CE-3FF8-403A-9E57-818DFCCC7842}" dt="2025-10-08T22:23:21.435" v="146" actId="1076"/>
+          <ac:spMkLst>
+            <pc:docMk/>
+            <pc:sldMk cId="0" sldId="256"/>
+            <ac:spMk id="6" creationId="{AE94BCEF-107F-A53B-5FCD-B1364B99D0A0}"/>
+          </ac:spMkLst>
+        </pc:spChg>
         <pc:spChg chg="add mod">
           <ac:chgData name="Kecia Marques" userId="73fa3c79465465a2" providerId="LiveId" clId="{FDA544CE-3FF8-403A-9E57-818DFCCC7842}" dt="2025-09-28T16:46:21.399" v="19" actId="1076"/>
           <ac:spMkLst>
@@ -161,7 +169,15 @@
           </ac:spMkLst>
         </pc:spChg>
         <pc:spChg chg="mod">
-          <ac:chgData name="Kecia Marques" userId="73fa3c79465465a2" providerId="LiveId" clId="{FDA544CE-3FF8-403A-9E57-818DFCCC7842}" dt="2025-09-28T16:46:03.435" v="17" actId="20577"/>
+          <ac:chgData name="Kecia Marques" userId="73fa3c79465465a2" providerId="LiveId" clId="{FDA544CE-3FF8-403A-9E57-818DFCCC7842}" dt="2025-10-08T22:22:16.464" v="105" actId="20577"/>
+          <ac:spMkLst>
+            <pc:docMk/>
+            <pc:sldMk cId="0" sldId="256"/>
+            <ac:spMk id="16" creationId="{FCC90A27-D6A6-365B-D50D-AADD687435D1}"/>
+          </ac:spMkLst>
+        </pc:spChg>
+        <pc:spChg chg="mod">
+          <ac:chgData name="Kecia Marques" userId="73fa3c79465465a2" providerId="LiveId" clId="{FDA544CE-3FF8-403A-9E57-818DFCCC7842}" dt="2025-10-08T22:21:59.363" v="71" actId="20577"/>
           <ac:spMkLst>
             <pc:docMk/>
             <pc:sldMk cId="0" sldId="256"/>
@@ -230,22 +246,6 @@
             <pc:docMk/>
             <pc:sldMk cId="0" sldId="256"/>
             <ac:picMk id="47" creationId="{6404DA51-C5ED-3056-C7A6-2DA17C5A7852}"/>
-          </ac:picMkLst>
-        </pc:picChg>
-        <pc:picChg chg="del">
-          <ac:chgData name="Kecia Marques" userId="73fa3c79465465a2" providerId="LiveId" clId="{FDA544CE-3FF8-403A-9E57-818DFCCC7842}" dt="2025-09-28T17:26:16.294" v="39" actId="478"/>
-          <ac:picMkLst>
-            <pc:docMk/>
-            <pc:sldMk cId="0" sldId="256"/>
-            <ac:picMk id="1032" creationId="{95639C82-5753-08CB-EEC2-46A109599160}"/>
-          </ac:picMkLst>
-        </pc:picChg>
-        <pc:picChg chg="del">
-          <ac:chgData name="Kecia Marques" userId="73fa3c79465465a2" providerId="LiveId" clId="{FDA544CE-3FF8-403A-9E57-818DFCCC7842}" dt="2025-09-28T17:27:00.614" v="43" actId="478"/>
-          <ac:picMkLst>
-            <pc:docMk/>
-            <pc:sldMk cId="0" sldId="256"/>
-            <ac:picMk id="1044" creationId="{2C9838CA-5F55-42C9-A0D0-E9404162F8B3}"/>
           </ac:picMkLst>
         </pc:picChg>
       </pc:sldChg>
@@ -2082,7 +2082,7 @@
                 <a:ea typeface="Verdana"/>
                 <a:cs typeface="Arial" panose="020B0604020202020204" pitchFamily="34" charset="0"/>
               </a:rPr>
-              <a:t>CONTEXTUALIZAÇÃO</a:t>
+              <a:t>CONTEXTO</a:t>
             </a:r>
           </a:p>
         </p:txBody>
@@ -2310,7 +2310,7 @@
                 <a:ea typeface="Verdana"/>
                 <a:cs typeface="Arial" panose="020B0604020202020204" pitchFamily="34" charset="0"/>
               </a:rPr>
-              <a:t>CONCLUSÕES</a:t>
+              <a:t>CONSIDERAÇÕES FINAIS</a:t>
             </a:r>
           </a:p>
         </p:txBody>
@@ -2762,7 +2762,7 @@
         </p:nvSpPr>
         <p:spPr>
           <a:xfrm>
-            <a:off x="16512769" y="41980344"/>
+            <a:off x="15756551" y="42065204"/>
             <a:ext cx="2333333" cy="461665"/>
           </a:xfrm>
           <a:prstGeom prst="rect">
@@ -2778,12 +2778,9 @@
           <a:p>
             <a:r>
               <a:rPr lang="pt-BR" sz="2400" dirty="0"/>
-              <a:t>Apoio</a:t>
-            </a:r>
-            <a:r>
-              <a:rPr lang="pt-BR" dirty="0"/>
-              <a:t>:</a:t>
-            </a:r>
+              <a:t>Colaboração:</a:t>
+            </a:r>
+            <a:endParaRPr lang="pt-BR" dirty="0"/>
           </a:p>
         </p:txBody>
       </p:sp>
